--- a/Clase 12_Clasificación_Curvas ROC/C12_Clasificacion 2_Curvas_ROC_Comparaciones.pptx
+++ b/Clase 12_Clasificación_Curvas ROC/C12_Clasificacion 2_Curvas_ROC_Comparaciones.pptx
@@ -10,7 +10,7 @@
   <p:sldIdLst>
     <p:sldId id="423" r:id="rId2"/>
     <p:sldId id="259" r:id="rId3"/>
-    <p:sldId id="408" r:id="rId4"/>
+    <p:sldId id="326" r:id="rId4"/>
     <p:sldId id="318" r:id="rId5"/>
     <p:sldId id="415" r:id="rId6"/>
     <p:sldId id="323" r:id="rId7"/>
@@ -142,7 +142,7 @@
           <p14:sldIdLst>
             <p14:sldId id="423"/>
             <p14:sldId id="259"/>
-            <p14:sldId id="408"/>
+            <p14:sldId id="326"/>
           </p14:sldIdLst>
         </p14:section>
         <p14:section name="Breve repaso" id="{50EC8BAA-C75B-FB42-B5CB-C9EF52B744A2}">
@@ -695,7 +695,7 @@
           <a:p>
             <a:fld id="{A7ED07FA-7792-F649-B523-FCAF9068A01B}" type="slidenum">
               <a:rPr lang="es-ES_tradnl" smtClean="0"/>
-              <a:t>19</a:t>
+              <a:t>14</a:t>
             </a:fld>
             <a:endParaRPr lang="es-ES_tradnl"/>
           </a:p>
@@ -704,7 +704,7 @@
     </p:spTree>
     <p:extLst>
       <p:ext uri="{BB962C8B-B14F-4D97-AF65-F5344CB8AC3E}">
-        <p14:creationId xmlns:p14="http://schemas.microsoft.com/office/powerpoint/2010/main" val="786359673"/>
+        <p14:creationId xmlns:p14="http://schemas.microsoft.com/office/powerpoint/2010/main" val="3424750785"/>
       </p:ext>
     </p:extLst>
   </p:cSld>
@@ -779,6 +779,90 @@
           <a:p>
             <a:fld id="{A7ED07FA-7792-F649-B523-FCAF9068A01B}" type="slidenum">
               <a:rPr lang="es-ES_tradnl" smtClean="0"/>
+              <a:t>19</a:t>
+            </a:fld>
+            <a:endParaRPr lang="es-ES_tradnl"/>
+          </a:p>
+        </p:txBody>
+      </p:sp>
+    </p:spTree>
+    <p:extLst>
+      <p:ext uri="{BB962C8B-B14F-4D97-AF65-F5344CB8AC3E}">
+        <p14:creationId xmlns:p14="http://schemas.microsoft.com/office/powerpoint/2010/main" val="786359673"/>
+      </p:ext>
+    </p:extLst>
+  </p:cSld>
+  <p:clrMapOvr>
+    <a:masterClrMapping/>
+  </p:clrMapOvr>
+</p:notes>
+</file>
+
+<file path=ppt/notesSlides/notesSlide12.xml><?xml version="1.0" encoding="utf-8"?>
+<p:notes xmlns:a="http://schemas.openxmlformats.org/drawingml/2006/main" xmlns:r="http://schemas.openxmlformats.org/officeDocument/2006/relationships" xmlns:p="http://schemas.openxmlformats.org/presentationml/2006/main">
+  <p:cSld>
+    <p:spTree>
+      <p:nvGrpSpPr>
+        <p:cNvPr id="1" name=""/>
+        <p:cNvGrpSpPr/>
+        <p:nvPr/>
+      </p:nvGrpSpPr>
+      <p:grpSpPr>
+        <a:xfrm>
+          <a:off x="0" y="0"/>
+          <a:ext cx="0" cy="0"/>
+          <a:chOff x="0" y="0"/>
+          <a:chExt cx="0" cy="0"/>
+        </a:xfrm>
+      </p:grpSpPr>
+      <p:sp>
+        <p:nvSpPr>
+          <p:cNvPr id="2" name="Slide Image Placeholder 1"/>
+          <p:cNvSpPr>
+            <a:spLocks noGrp="1" noRot="1" noChangeAspect="1"/>
+          </p:cNvSpPr>
+          <p:nvPr>
+            <p:ph type="sldImg"/>
+          </p:nvPr>
+        </p:nvSpPr>
+        <p:spPr/>
+      </p:sp>
+      <p:sp>
+        <p:nvSpPr>
+          <p:cNvPr id="3" name="Notes Placeholder 2"/>
+          <p:cNvSpPr>
+            <a:spLocks noGrp="1"/>
+          </p:cNvSpPr>
+          <p:nvPr>
+            <p:ph type="body" idx="1"/>
+          </p:nvPr>
+        </p:nvSpPr>
+        <p:spPr/>
+        <p:txBody>
+          <a:bodyPr/>
+          <a:lstStyle/>
+          <a:p>
+            <a:endParaRPr lang="es-ES_tradnl" dirty="0"/>
+          </a:p>
+        </p:txBody>
+      </p:sp>
+      <p:sp>
+        <p:nvSpPr>
+          <p:cNvPr id="4" name="Slide Number Placeholder 3"/>
+          <p:cNvSpPr>
+            <a:spLocks noGrp="1"/>
+          </p:cNvSpPr>
+          <p:nvPr>
+            <p:ph type="sldNum" sz="quarter" idx="5"/>
+          </p:nvPr>
+        </p:nvSpPr>
+        <p:spPr/>
+        <p:txBody>
+          <a:bodyPr/>
+          <a:lstStyle/>
+          <a:p>
+            <a:fld id="{A7ED07FA-7792-F649-B523-FCAF9068A01B}" type="slidenum">
+              <a:rPr lang="es-ES_tradnl" smtClean="0"/>
               <a:t>22</a:t>
             </a:fld>
             <a:endParaRPr lang="es-ES_tradnl"/>
@@ -798,7 +882,7 @@
 </p:notes>
 </file>
 
-<file path=ppt/notesSlides/notesSlide12.xml><?xml version="1.0" encoding="utf-8"?>
+<file path=ppt/notesSlides/notesSlide13.xml><?xml version="1.0" encoding="utf-8"?>
 <p:notes xmlns:a="http://schemas.openxmlformats.org/drawingml/2006/main" xmlns:r="http://schemas.openxmlformats.org/officeDocument/2006/relationships" xmlns:p="http://schemas.openxmlformats.org/presentationml/2006/main">
   <p:cSld>
     <p:spTree>
@@ -1031,7 +1115,7 @@
           <a:p>
             <a:fld id="{7E630DE0-2491-4445-BD47-B1B1930FC5EF}" type="slidenum">
               <a:rPr lang="en-US" smtClean="0"/>
-              <a:t>4</a:t>
+              <a:t>3</a:t>
             </a:fld>
             <a:endParaRPr lang="en-US"/>
           </a:p>
@@ -1040,7 +1124,7 @@
     </p:spTree>
     <p:extLst>
       <p:ext uri="{BB962C8B-B14F-4D97-AF65-F5344CB8AC3E}">
-        <p14:creationId xmlns:p14="http://schemas.microsoft.com/office/powerpoint/2010/main" val="3771751044"/>
+        <p14:creationId xmlns:p14="http://schemas.microsoft.com/office/powerpoint/2010/main" val="3318919429"/>
       </p:ext>
     </p:extLst>
   </p:cSld>
@@ -1113,18 +1197,18 @@
           <a:bodyPr/>
           <a:lstStyle/>
           <a:p>
-            <a:fld id="{A7ED07FA-7792-F649-B523-FCAF9068A01B}" type="slidenum">
-              <a:rPr lang="es-ES_tradnl" smtClean="0"/>
-              <a:t>5</a:t>
+            <a:fld id="{7E630DE0-2491-4445-BD47-B1B1930FC5EF}" type="slidenum">
+              <a:rPr lang="en-US" smtClean="0"/>
+              <a:t>4</a:t>
             </a:fld>
-            <a:endParaRPr lang="es-ES_tradnl"/>
+            <a:endParaRPr lang="en-US"/>
           </a:p>
         </p:txBody>
       </p:sp>
     </p:spTree>
     <p:extLst>
       <p:ext uri="{BB962C8B-B14F-4D97-AF65-F5344CB8AC3E}">
-        <p14:creationId xmlns:p14="http://schemas.microsoft.com/office/powerpoint/2010/main" val="3009449539"/>
+        <p14:creationId xmlns:p14="http://schemas.microsoft.com/office/powerpoint/2010/main" val="3771751044"/>
       </p:ext>
     </p:extLst>
   </p:cSld>
@@ -1199,7 +1283,7 @@
           <a:p>
             <a:fld id="{A7ED07FA-7792-F649-B523-FCAF9068A01B}" type="slidenum">
               <a:rPr lang="es-ES_tradnl" smtClean="0"/>
-              <a:t>6</a:t>
+              <a:t>5</a:t>
             </a:fld>
             <a:endParaRPr lang="es-ES_tradnl"/>
           </a:p>
@@ -1208,7 +1292,7 @@
     </p:spTree>
     <p:extLst>
       <p:ext uri="{BB962C8B-B14F-4D97-AF65-F5344CB8AC3E}">
-        <p14:creationId xmlns:p14="http://schemas.microsoft.com/office/powerpoint/2010/main" val="3350313072"/>
+        <p14:creationId xmlns:p14="http://schemas.microsoft.com/office/powerpoint/2010/main" val="3009449539"/>
       </p:ext>
     </p:extLst>
   </p:cSld>
@@ -1283,6 +1367,90 @@
           <a:p>
             <a:fld id="{A7ED07FA-7792-F649-B523-FCAF9068A01B}" type="slidenum">
               <a:rPr lang="es-ES_tradnl" smtClean="0"/>
+              <a:t>6</a:t>
+            </a:fld>
+            <a:endParaRPr lang="es-ES_tradnl"/>
+          </a:p>
+        </p:txBody>
+      </p:sp>
+    </p:spTree>
+    <p:extLst>
+      <p:ext uri="{BB962C8B-B14F-4D97-AF65-F5344CB8AC3E}">
+        <p14:creationId xmlns:p14="http://schemas.microsoft.com/office/powerpoint/2010/main" val="3350313072"/>
+      </p:ext>
+    </p:extLst>
+  </p:cSld>
+  <p:clrMapOvr>
+    <a:masterClrMapping/>
+  </p:clrMapOvr>
+</p:notes>
+</file>
+
+<file path=ppt/notesSlides/notesSlide7.xml><?xml version="1.0" encoding="utf-8"?>
+<p:notes xmlns:a="http://schemas.openxmlformats.org/drawingml/2006/main" xmlns:r="http://schemas.openxmlformats.org/officeDocument/2006/relationships" xmlns:p="http://schemas.openxmlformats.org/presentationml/2006/main">
+  <p:cSld>
+    <p:spTree>
+      <p:nvGrpSpPr>
+        <p:cNvPr id="1" name=""/>
+        <p:cNvGrpSpPr/>
+        <p:nvPr/>
+      </p:nvGrpSpPr>
+      <p:grpSpPr>
+        <a:xfrm>
+          <a:off x="0" y="0"/>
+          <a:ext cx="0" cy="0"/>
+          <a:chOff x="0" y="0"/>
+          <a:chExt cx="0" cy="0"/>
+        </a:xfrm>
+      </p:grpSpPr>
+      <p:sp>
+        <p:nvSpPr>
+          <p:cNvPr id="2" name="Slide Image Placeholder 1"/>
+          <p:cNvSpPr>
+            <a:spLocks noGrp="1" noRot="1" noChangeAspect="1"/>
+          </p:cNvSpPr>
+          <p:nvPr>
+            <p:ph type="sldImg"/>
+          </p:nvPr>
+        </p:nvSpPr>
+        <p:spPr/>
+      </p:sp>
+      <p:sp>
+        <p:nvSpPr>
+          <p:cNvPr id="3" name="Notes Placeholder 2"/>
+          <p:cNvSpPr>
+            <a:spLocks noGrp="1"/>
+          </p:cNvSpPr>
+          <p:nvPr>
+            <p:ph type="body" idx="1"/>
+          </p:nvPr>
+        </p:nvSpPr>
+        <p:spPr/>
+        <p:txBody>
+          <a:bodyPr/>
+          <a:lstStyle/>
+          <a:p>
+            <a:endParaRPr lang="es-ES_tradnl" dirty="0"/>
+          </a:p>
+        </p:txBody>
+      </p:sp>
+      <p:sp>
+        <p:nvSpPr>
+          <p:cNvPr id="4" name="Slide Number Placeholder 3"/>
+          <p:cNvSpPr>
+            <a:spLocks noGrp="1"/>
+          </p:cNvSpPr>
+          <p:nvPr>
+            <p:ph type="sldNum" sz="quarter" idx="5"/>
+          </p:nvPr>
+        </p:nvSpPr>
+        <p:spPr/>
+        <p:txBody>
+          <a:bodyPr/>
+          <a:lstStyle/>
+          <a:p>
+            <a:fld id="{A7ED07FA-7792-F649-B523-FCAF9068A01B}" type="slidenum">
+              <a:rPr lang="es-ES_tradnl" smtClean="0"/>
               <a:t>9</a:t>
             </a:fld>
             <a:endParaRPr lang="es-ES_tradnl"/>
@@ -1302,7 +1470,7 @@
 </p:notes>
 </file>
 
-<file path=ppt/notesSlides/notesSlide7.xml><?xml version="1.0" encoding="utf-8"?>
+<file path=ppt/notesSlides/notesSlide8.xml><?xml version="1.0" encoding="utf-8"?>
 <p:notes xmlns:a="http://schemas.openxmlformats.org/drawingml/2006/main" xmlns:r="http://schemas.openxmlformats.org/officeDocument/2006/relationships" xmlns:p="http://schemas.openxmlformats.org/presentationml/2006/main">
   <p:cSld>
     <p:spTree>
@@ -1410,7 +1578,7 @@
 </p:notes>
 </file>
 
-<file path=ppt/notesSlides/notesSlide8.xml><?xml version="1.0" encoding="utf-8"?>
+<file path=ppt/notesSlides/notesSlide9.xml><?xml version="1.0" encoding="utf-8"?>
 <p:notes xmlns:a="http://schemas.openxmlformats.org/drawingml/2006/main" xmlns:r="http://schemas.openxmlformats.org/officeDocument/2006/relationships" xmlns:p="http://schemas.openxmlformats.org/presentationml/2006/main">
   <p:cSld>
     <p:spTree>
@@ -1509,90 +1677,6 @@
     <p:extLst>
       <p:ext uri="{BB962C8B-B14F-4D97-AF65-F5344CB8AC3E}">
         <p14:creationId xmlns:p14="http://schemas.microsoft.com/office/powerpoint/2010/main" val="1223500000"/>
-      </p:ext>
-    </p:extLst>
-  </p:cSld>
-  <p:clrMapOvr>
-    <a:masterClrMapping/>
-  </p:clrMapOvr>
-</p:notes>
-</file>
-
-<file path=ppt/notesSlides/notesSlide9.xml><?xml version="1.0" encoding="utf-8"?>
-<p:notes xmlns:a="http://schemas.openxmlformats.org/drawingml/2006/main" xmlns:r="http://schemas.openxmlformats.org/officeDocument/2006/relationships" xmlns:p="http://schemas.openxmlformats.org/presentationml/2006/main">
-  <p:cSld>
-    <p:spTree>
-      <p:nvGrpSpPr>
-        <p:cNvPr id="1" name=""/>
-        <p:cNvGrpSpPr/>
-        <p:nvPr/>
-      </p:nvGrpSpPr>
-      <p:grpSpPr>
-        <a:xfrm>
-          <a:off x="0" y="0"/>
-          <a:ext cx="0" cy="0"/>
-          <a:chOff x="0" y="0"/>
-          <a:chExt cx="0" cy="0"/>
-        </a:xfrm>
-      </p:grpSpPr>
-      <p:sp>
-        <p:nvSpPr>
-          <p:cNvPr id="2" name="Slide Image Placeholder 1"/>
-          <p:cNvSpPr>
-            <a:spLocks noGrp="1" noRot="1" noChangeAspect="1"/>
-          </p:cNvSpPr>
-          <p:nvPr>
-            <p:ph type="sldImg"/>
-          </p:nvPr>
-        </p:nvSpPr>
-        <p:spPr/>
-      </p:sp>
-      <p:sp>
-        <p:nvSpPr>
-          <p:cNvPr id="3" name="Notes Placeholder 2"/>
-          <p:cNvSpPr>
-            <a:spLocks noGrp="1"/>
-          </p:cNvSpPr>
-          <p:nvPr>
-            <p:ph type="body" idx="1"/>
-          </p:nvPr>
-        </p:nvSpPr>
-        <p:spPr/>
-        <p:txBody>
-          <a:bodyPr/>
-          <a:lstStyle/>
-          <a:p>
-            <a:endParaRPr lang="es-ES_tradnl" dirty="0"/>
-          </a:p>
-        </p:txBody>
-      </p:sp>
-      <p:sp>
-        <p:nvSpPr>
-          <p:cNvPr id="4" name="Slide Number Placeholder 3"/>
-          <p:cNvSpPr>
-            <a:spLocks noGrp="1"/>
-          </p:cNvSpPr>
-          <p:nvPr>
-            <p:ph type="sldNum" sz="quarter" idx="5"/>
-          </p:nvPr>
-        </p:nvSpPr>
-        <p:spPr/>
-        <p:txBody>
-          <a:bodyPr/>
-          <a:lstStyle/>
-          <a:p>
-            <a:fld id="{A7ED07FA-7792-F649-B523-FCAF9068A01B}" type="slidenum">
-              <a:rPr lang="es-ES_tradnl" smtClean="0"/>
-              <a:t>14</a:t>
-            </a:fld>
-            <a:endParaRPr lang="es-ES_tradnl"/>
-          </a:p>
-        </p:txBody>
-      </p:sp>
-    </p:spTree>
-    <p:extLst>
-      <p:ext uri="{BB962C8B-B14F-4D97-AF65-F5344CB8AC3E}">
-        <p14:creationId xmlns:p14="http://schemas.microsoft.com/office/powerpoint/2010/main" val="3424750785"/>
       </p:ext>
     </p:extLst>
   </p:cSld>
@@ -4925,7 +5009,7 @@
                 <a:latin typeface="Gill Sans Nova Light" panose="020F0302020204030204" pitchFamily="34" charset="0"/>
                 <a:cs typeface="Times New Roman" panose="02020603050405020304" pitchFamily="18" charset="0"/>
               </a:rPr>
-              <a:t>Clase 7</a:t>
+              <a:t>Clase 12</a:t>
             </a:r>
             <a:endParaRPr lang="en-US" sz="3600" dirty="0"/>
           </a:p>
@@ -18123,7 +18207,7 @@
           <p:cNvPr id="2" name="Title 1">
             <a:extLst>
               <a:ext uri="{FF2B5EF4-FFF2-40B4-BE49-F238E27FC236}">
-                <a16:creationId xmlns:a16="http://schemas.microsoft.com/office/drawing/2014/main" id="{D4D2ED93-C2DF-26CD-5FA5-123B106DD64C}"/>
+                <a16:creationId xmlns:a16="http://schemas.microsoft.com/office/drawing/2014/main" id="{60956FC5-0E53-6D4C-09A5-4C5B8E1AD528}"/>
               </a:ext>
             </a:extLst>
           </p:cNvPr>
@@ -18136,12 +18220,25 @@
         </p:nvSpPr>
         <p:spPr/>
         <p:txBody>
-          <a:bodyPr/>
+          <a:bodyPr>
+            <a:normAutofit/>
+          </a:bodyPr>
           <a:lstStyle/>
           <a:p>
             <a:r>
-              <a:rPr lang="es-ES_tradnl" dirty="0"/>
-              <a:t>Cuestiones operativas del curso</a:t>
+              <a:rPr lang="es-ES_tradnl" sz="3600" dirty="0"/>
+              <a:t>Cuestiones operativas del curso: </a:t>
+            </a:r>
+            <a:r>
+              <a:rPr lang="es-ES_tradnl" sz="3600" dirty="0">
+                <a:solidFill>
+                  <a:schemeClr val="tx1">
+                    <a:lumMod val="50000"/>
+                    <a:lumOff val="50000"/>
+                  </a:schemeClr>
+                </a:solidFill>
+              </a:rPr>
+              <a:t>Próximos Deadlines</a:t>
             </a:r>
           </a:p>
         </p:txBody>
@@ -18151,7 +18248,7 @@
           <p:cNvPr id="3" name="Content Placeholder 2">
             <a:extLst>
               <a:ext uri="{FF2B5EF4-FFF2-40B4-BE49-F238E27FC236}">
-                <a16:creationId xmlns:a16="http://schemas.microsoft.com/office/drawing/2014/main" id="{C5C6D17F-26B9-7EDA-3E59-F357F8441D30}"/>
+                <a16:creationId xmlns:a16="http://schemas.microsoft.com/office/drawing/2014/main" id="{8B78FB43-7DE0-04F0-9AC5-E468E02B4645}"/>
               </a:ext>
             </a:extLst>
           </p:cNvPr>
@@ -18165,13 +18262,55 @@
         <p:spPr/>
         <p:txBody>
           <a:bodyPr>
-            <a:normAutofit fontScale="77500" lnSpcReduction="20000"/>
+            <a:normAutofit/>
           </a:bodyPr>
           <a:lstStyle/>
           <a:p>
             <a:pPr>
               <a:lnSpc>
-                <a:spcPct val="150000"/>
+                <a:spcPct val="200000"/>
+              </a:lnSpc>
+            </a:pPr>
+            <a:r>
+              <a:rPr lang="es-ES_tradnl" dirty="0"/>
+              <a:t>TP 3: EPH – M. no supervisados. </a:t>
+            </a:r>
+            <a:r>
+              <a:rPr lang="es-ES_tradnl" dirty="0">
+                <a:solidFill>
+                  <a:srgbClr val="FF0000"/>
+                </a:solidFill>
+              </a:rPr>
+              <a:t>Martes</a:t>
+            </a:r>
+            <a:r>
+              <a:rPr lang="es-ES_tradnl" dirty="0"/>
+              <a:t> </a:t>
+            </a:r>
+            <a:r>
+              <a:rPr lang="es-ES_tradnl" dirty="0">
+                <a:solidFill>
+                  <a:srgbClr val="FF0000"/>
+                </a:solidFill>
+              </a:rPr>
+              <a:t>13 de mayo, 13:00 hs</a:t>
+            </a:r>
+          </a:p>
+          <a:p>
+            <a:pPr>
+              <a:lnSpc>
+                <a:spcPct val="200000"/>
+              </a:lnSpc>
+            </a:pPr>
+            <a:r>
+              <a:rPr lang="es-ES_tradnl" dirty="0"/>
+              <a:t>Presentación Grupal: Devolución disponibles en Clasificaciones</a:t>
+            </a:r>
+          </a:p>
+          <a:p>
+            <a:pPr>
+              <a:lnSpc>
+                <a:spcPct val="200000"/>
               </a:lnSpc>
             </a:pPr>
             <a:r>
@@ -18180,132 +18319,31 @@
                   <a:srgbClr val="002060"/>
                 </a:solidFill>
               </a:rPr>
-              <a:t>Post semanales: </a:t>
+              <a:t>Consultas</a:t>
             </a:r>
             <a:r>
               <a:rPr lang="es-ES_tradnl" dirty="0"/>
-              <a:t>problemas de clasificación </a:t>
+              <a:t>: Email, Miércoles 4:00 pm a 5:00 pm o </a:t>
             </a:r>
             <a:r>
               <a:rPr lang="es-ES_tradnl" dirty="0">
-                <a:solidFill>
-                  <a:srgbClr val="FF0000"/>
-                </a:solidFill>
+                <a:hlinkClick r:id="rId3"/>
               </a:rPr>
-              <a:t>9-Nov</a:t>
+              <a:t>Calendly</a:t>
             </a:r>
-            <a:endParaRPr lang="es-ES_tradnl" dirty="0"/>
-          </a:p>
-          <a:p>
-            <a:pPr>
+            <a:endParaRPr lang="es-ES_tradnl" dirty="0">
+              <a:solidFill>
+                <a:srgbClr val="FF0000"/>
+              </a:solidFill>
+            </a:endParaRPr>
+          </a:p>
+          <a:p>
+            <a:pPr marL="0" indent="0">
               <a:lnSpc>
-                <a:spcPct val="150000"/>
+                <a:spcPct val="200000"/>
               </a:lnSpc>
+              <a:buNone/>
             </a:pPr>
-            <a:r>
-              <a:rPr lang="es-ES_tradnl" dirty="0">
-                <a:solidFill>
-                  <a:srgbClr val="002060"/>
-                </a:solidFill>
-              </a:rPr>
-              <a:t>Trabajo Practico 2</a:t>
-            </a:r>
-            <a:r>
-              <a:rPr lang="es-ES_tradnl" dirty="0"/>
-              <a:t>: Entrega este </a:t>
-            </a:r>
-            <a:r>
-              <a:rPr lang="es-ES_tradnl" dirty="0">
-                <a:solidFill>
-                  <a:srgbClr val="FF0000"/>
-                </a:solidFill>
-              </a:rPr>
-              <a:t>8-Nov</a:t>
-            </a:r>
-          </a:p>
-          <a:p>
-            <a:pPr>
-              <a:lnSpc>
-                <a:spcPct val="150000"/>
-              </a:lnSpc>
-            </a:pPr>
-            <a:r>
-              <a:rPr lang="es-ES_tradnl" dirty="0">
-                <a:solidFill>
-                  <a:srgbClr val="002060"/>
-                </a:solidFill>
-              </a:rPr>
-              <a:t>Propuesta final</a:t>
-            </a:r>
-            <a:r>
-              <a:rPr lang="es-ES_tradnl" dirty="0"/>
-              <a:t>: Consignas disponibles.</a:t>
-            </a:r>
-          </a:p>
-          <a:p>
-            <a:pPr lvl="1">
-              <a:lnSpc>
-                <a:spcPct val="150000"/>
-              </a:lnSpc>
-            </a:pPr>
-            <a:r>
-              <a:rPr lang="es-ES_tradnl" dirty="0"/>
-              <a:t>Ideas borrador: </a:t>
-            </a:r>
-            <a:r>
-              <a:rPr lang="es-ES_tradnl" dirty="0">
-                <a:solidFill>
-                  <a:srgbClr val="FF0000"/>
-                </a:solidFill>
-              </a:rPr>
-              <a:t>15-Nov</a:t>
-            </a:r>
-          </a:p>
-          <a:p>
-            <a:pPr lvl="1">
-              <a:lnSpc>
-                <a:spcPct val="150000"/>
-              </a:lnSpc>
-            </a:pPr>
-            <a:r>
-              <a:rPr lang="es-ES_tradnl" dirty="0"/>
-              <a:t>Trabajo final: </a:t>
-            </a:r>
-            <a:r>
-              <a:rPr lang="es-ES_tradnl" dirty="0">
-                <a:solidFill>
-                  <a:schemeClr val="accent2"/>
-                </a:solidFill>
-              </a:rPr>
-              <a:t>20-Dec</a:t>
-            </a:r>
-          </a:p>
-          <a:p>
-            <a:pPr>
-              <a:lnSpc>
-                <a:spcPct val="150000"/>
-              </a:lnSpc>
-            </a:pPr>
-            <a:r>
-              <a:rPr lang="es-ES_tradnl" dirty="0">
-                <a:solidFill>
-                  <a:srgbClr val="002060"/>
-                </a:solidFill>
-              </a:rPr>
-              <a:t>Trabajo Practico 3</a:t>
-            </a:r>
-            <a:r>
-              <a:rPr lang="es-ES_tradnl" dirty="0"/>
-              <a:t>: Consignas disponibles pronto. </a:t>
-            </a:r>
-            <a:r>
-              <a:rPr lang="es-ES_tradnl" dirty="0">
-                <a:solidFill>
-                  <a:srgbClr val="FF0000"/>
-                </a:solidFill>
-              </a:rPr>
-              <a:t>29-Nov</a:t>
-            </a:r>
             <a:endParaRPr lang="es-ES_tradnl" dirty="0">
               <a:solidFill>
                 <a:srgbClr val="002060"/>
@@ -18313,31 +18351,13 @@
             </a:endParaRPr>
           </a:p>
           <a:p>
-            <a:pPr>
+            <a:pPr marL="0" indent="0">
               <a:lnSpc>
-                <a:spcPct val="150000"/>
+                <a:spcPct val="200000"/>
               </a:lnSpc>
+              <a:buNone/>
             </a:pPr>
-            <a:r>
-              <a:rPr lang="es-ES_tradnl" dirty="0">
-                <a:solidFill>
-                  <a:srgbClr val="002060"/>
-                </a:solidFill>
-              </a:rPr>
-              <a:t>Presentación grupal</a:t>
-            </a:r>
-            <a:r>
-              <a:rPr lang="es-ES_tradnl" dirty="0"/>
-              <a:t>: ¡Hoy primera presentación! </a:t>
-            </a:r>
-          </a:p>
-          <a:p>
-            <a:pPr>
-              <a:lnSpc>
-                <a:spcPct val="150000"/>
-              </a:lnSpc>
-            </a:pPr>
-            <a:endParaRPr lang="es-ES_tradnl" dirty="0"/>
+            <a:endParaRPr lang="es-ES_tradnl" i="1" u="sng" dirty="0"/>
           </a:p>
         </p:txBody>
       </p:sp>
@@ -18346,7 +18366,7 @@
           <p:cNvPr id="4" name="Slide Number Placeholder 3">
             <a:extLst>
               <a:ext uri="{FF2B5EF4-FFF2-40B4-BE49-F238E27FC236}">
-                <a16:creationId xmlns:a16="http://schemas.microsoft.com/office/drawing/2014/main" id="{789DC8CD-7A37-453E-23F6-E2B5668710FB}"/>
+                <a16:creationId xmlns:a16="http://schemas.microsoft.com/office/drawing/2014/main" id="{0DAD31DF-2AE7-1DEC-F2F5-AA7755106847}"/>
               </a:ext>
             </a:extLst>
           </p:cNvPr>
@@ -18373,7 +18393,7 @@
     </p:spTree>
     <p:extLst>
       <p:ext uri="{BB962C8B-B14F-4D97-AF65-F5344CB8AC3E}">
-        <p14:creationId xmlns:p14="http://schemas.microsoft.com/office/powerpoint/2010/main" val="3552147302"/>
+        <p14:creationId xmlns:p14="http://schemas.microsoft.com/office/powerpoint/2010/main" val="3926434971"/>
       </p:ext>
     </p:extLst>
   </p:cSld>
@@ -21389,7 +21409,7 @@
         <p:spPr>
           <a:xfrm>
             <a:off x="714375" y="3168649"/>
-            <a:ext cx="10639425" cy="728663"/>
+            <a:ext cx="10639425" cy="1986675"/>
           </a:xfrm>
           <a:prstGeom prst="rect">
             <a:avLst/>
